--- a/presentation/BintangPradana-CloudEngineer.pptx
+++ b/presentation/BintangPradana-CloudEngineer.pptx
@@ -132,6 +132,9 @@
           </p14:sldIdLst>
         </p14:section>
       </p14:sectionLst>
+    </p:ext>
+    <p:ext uri="{EFAFB233-063F-42B5-8137-9DF3F51BA10A}">
+      <p15:sldGuideLst xmlns:p15="http://schemas.microsoft.com/office/powerpoint/2012/main"/>
     </p:ext>
   </p:extLst>
 </p:presentation>
@@ -3008,7 +3011,7 @@
           <a:p>
             <a:fld id="{235943FC-86C9-4F11-9948-137730734079}" type="datetimeFigureOut">
               <a:rPr lang="en-SG" smtClean="0"/>
-              <a:t>28/10/2025</a:t>
+              <a:t>29/10/2025</a:t>
             </a:fld>
             <a:endParaRPr lang="en-SG"/>
           </a:p>
@@ -4017,7 +4020,7 @@
           <a:p>
             <a:fld id="{C128FA71-3A18-48C0-980F-4B68F7F63042}" type="datetime1">
               <a:rPr lang="en-US" smtClean="0"/>
-              <a:t>10/28/2025</a:t>
+              <a:t>10/29/2025</a:t>
             </a:fld>
             <a:endParaRPr lang="en-US"/>
           </a:p>
@@ -4225,7 +4228,7 @@
           <a:p>
             <a:fld id="{7104EDB3-C0E8-45F8-9E1D-1B6C8D1880C0}" type="datetime1">
               <a:rPr lang="en-US" smtClean="0"/>
-              <a:t>10/28/2025</a:t>
+              <a:t>10/29/2025</a:t>
             </a:fld>
             <a:endParaRPr lang="en-US"/>
           </a:p>
@@ -4435,7 +4438,7 @@
           <a:p>
             <a:fld id="{9CF0EC4B-54ED-4041-B552-9BA760FA3DBA}" type="datetime1">
               <a:rPr lang="en-US" smtClean="0"/>
-              <a:t>10/28/2025</a:t>
+              <a:t>10/29/2025</a:t>
             </a:fld>
             <a:endParaRPr lang="en-US"/>
           </a:p>
@@ -4633,7 +4636,7 @@
           <a:p>
             <a:fld id="{51C1210E-201E-4473-82AC-2466F5386C38}" type="datetime1">
               <a:rPr lang="en-US" smtClean="0"/>
-              <a:t>10/28/2025</a:t>
+              <a:t>10/29/2025</a:t>
             </a:fld>
             <a:endParaRPr lang="en-US"/>
           </a:p>
@@ -4911,7 +4914,7 @@
           <a:p>
             <a:fld id="{B01EA198-6CAB-4B8F-B93F-1F9C8C4B6CE7}" type="datetime1">
               <a:rPr lang="en-US" smtClean="0"/>
-              <a:t>10/28/2025</a:t>
+              <a:t>10/29/2025</a:t>
             </a:fld>
             <a:endParaRPr lang="en-US"/>
           </a:p>
@@ -5183,7 +5186,7 @@
           <a:p>
             <a:fld id="{CA06041F-4525-44D5-AA4F-332294BF1F56}" type="datetime1">
               <a:rPr lang="en-US" smtClean="0"/>
-              <a:t>10/28/2025</a:t>
+              <a:t>10/29/2025</a:t>
             </a:fld>
             <a:endParaRPr lang="en-US"/>
           </a:p>
@@ -5607,7 +5610,7 @@
           <a:p>
             <a:fld id="{F9557091-BBDF-4EB9-BA6B-2BB67AC4FC0F}" type="datetime1">
               <a:rPr lang="en-US" smtClean="0"/>
-              <a:t>10/28/2025</a:t>
+              <a:t>10/29/2025</a:t>
             </a:fld>
             <a:endParaRPr lang="en-US"/>
           </a:p>
@@ -5748,7 +5751,7 @@
           <a:p>
             <a:fld id="{2D6B226B-77A6-410C-9796-083F278E0125}" type="datetime1">
               <a:rPr lang="en-US" smtClean="0"/>
-              <a:t>10/28/2025</a:t>
+              <a:t>10/29/2025</a:t>
             </a:fld>
             <a:endParaRPr lang="en-US"/>
           </a:p>
@@ -5861,7 +5864,7 @@
           <a:p>
             <a:fld id="{A23A578B-D289-4C40-8593-3D356C49DA58}" type="datetime1">
               <a:rPr lang="en-US" smtClean="0"/>
-              <a:t>10/28/2025</a:t>
+              <a:t>10/29/2025</a:t>
             </a:fld>
             <a:endParaRPr lang="en-US"/>
           </a:p>
@@ -6180,7 +6183,7 @@
           <a:p>
             <a:fld id="{713DFAE3-14DB-48A7-A80F-80DDB072CE3D}" type="datetime1">
               <a:rPr lang="en-US" smtClean="0"/>
-              <a:t>10/28/2025</a:t>
+              <a:t>10/29/2025</a:t>
             </a:fld>
             <a:endParaRPr lang="en-US"/>
           </a:p>
@@ -6474,7 +6477,7 @@
           <a:p>
             <a:fld id="{92C5EAEF-6478-4102-8F5D-A5FE9FC97ACB}" type="datetime1">
               <a:rPr lang="en-US" smtClean="0"/>
-              <a:t>10/28/2025</a:t>
+              <a:t>10/29/2025</a:t>
             </a:fld>
             <a:endParaRPr lang="en-US"/>
           </a:p>
@@ -6715,7 +6718,7 @@
           <a:p>
             <a:fld id="{67F45AC6-C491-4585-A584-9CE2AF7D5500}" type="datetime1">
               <a:rPr lang="en-US" smtClean="0"/>
-              <a:t>10/28/2025</a:t>
+              <a:t>10/29/2025</a:t>
             </a:fld>
             <a:endParaRPr lang="en-US"/>
           </a:p>
@@ -8518,6 +8521,67 @@
           </a:xfrm>
         </p:spPr>
       </p:pic>
+      <p:sp>
+        <p:nvSpPr>
+          <p:cNvPr id="3" name="TextBox 2">
+            <a:extLst>
+              <a:ext uri="{FF2B5EF4-FFF2-40B4-BE49-F238E27FC236}">
+                <a16:creationId xmlns:a16="http://schemas.microsoft.com/office/drawing/2014/main" id="{B738FA9E-29B7-5921-5C64-6BE9F61612C0}"/>
+              </a:ext>
+            </a:extLst>
+          </p:cNvPr>
+          <p:cNvSpPr txBox="1"/>
+          <p:nvPr/>
+        </p:nvSpPr>
+        <p:spPr>
+          <a:xfrm>
+            <a:off x="612648" y="5760885"/>
+            <a:ext cx="5047728" cy="276999"/>
+          </a:xfrm>
+          <a:prstGeom prst="rect">
+            <a:avLst/>
+          </a:prstGeom>
+          <a:noFill/>
+        </p:spPr>
+        <p:txBody>
+          <a:bodyPr wrap="none" rtlCol="0">
+            <a:spAutoFit/>
+          </a:bodyPr>
+          <a:lstStyle/>
+          <a:p>
+            <a:r>
+              <a:rPr lang="en-SG" sz="1200" b="1" dirty="0" err="1">
+                <a:latin typeface="Calibri" panose="020F0502020204030204" pitchFamily="34" charset="0"/>
+                <a:ea typeface="Calibri" panose="020F0502020204030204" pitchFamily="34" charset="0"/>
+                <a:cs typeface="Calibri" panose="020F0502020204030204" pitchFamily="34" charset="0"/>
+              </a:rPr>
+              <a:t>github</a:t>
+            </a:r>
+            <a:r>
+              <a:rPr lang="en-SG" sz="1200" b="1" dirty="0">
+                <a:latin typeface="Calibri" panose="020F0502020204030204" pitchFamily="34" charset="0"/>
+                <a:ea typeface="Calibri" panose="020F0502020204030204" pitchFamily="34" charset="0"/>
+                <a:cs typeface="Calibri" panose="020F0502020204030204" pitchFamily="34" charset="0"/>
+              </a:rPr>
+              <a:t> repo: </a:t>
+            </a:r>
+            <a:r>
+              <a:rPr lang="en-SG" sz="1200" dirty="0">
+                <a:latin typeface="Calibri" panose="020F0502020204030204" pitchFamily="34" charset="0"/>
+                <a:ea typeface="Calibri" panose="020F0502020204030204" pitchFamily="34" charset="0"/>
+                <a:cs typeface="Calibri" panose="020F0502020204030204" pitchFamily="34" charset="0"/>
+                <a:hlinkClick r:id="rId4"/>
+              </a:rPr>
+              <a:t>https://github.com/BintangPradana/DetectAnomalyEquipmentAI</a:t>
+            </a:r>
+            <a:endParaRPr lang="en-SG" sz="1200" dirty="0">
+              <a:latin typeface="Calibri" panose="020F0502020204030204" pitchFamily="34" charset="0"/>
+              <a:ea typeface="Calibri" panose="020F0502020204030204" pitchFamily="34" charset="0"/>
+              <a:cs typeface="Calibri" panose="020F0502020204030204" pitchFamily="34" charset="0"/>
+            </a:endParaRPr>
+          </a:p>
+        </p:txBody>
+      </p:sp>
     </p:spTree>
     <p:extLst>
       <p:ext uri="{BB962C8B-B14F-4D97-AF65-F5344CB8AC3E}">
